--- a/Chapitre_05_TrainEpicycloidal/Colles/Colle_05_Fendt/images/Fendt.pptx
+++ b/Chapitre_05_TrainEpicycloidal/Colles/Colle_05_Fendt/images/Fendt.pptx
@@ -288,7 +288,7 @@
           <a:p>
             <a:fld id="{AA309A6D-C09C-4548-B29A-6CF363A7E532}" type="datetimeFigureOut">
               <a:rPr lang="fr-FR" smtClean="0"/>
-              <a:t>10/03/2016</a:t>
+              <a:t>12/03/2016</a:t>
             </a:fld>
             <a:endParaRPr lang="fr-BE"/>
           </a:p>
@@ -453,7 +453,7 @@
           <a:p>
             <a:fld id="{AA309A6D-C09C-4548-B29A-6CF363A7E532}" type="datetimeFigureOut">
               <a:rPr lang="fr-FR" smtClean="0"/>
-              <a:t>10/03/2016</a:t>
+              <a:t>12/03/2016</a:t>
             </a:fld>
             <a:endParaRPr lang="fr-BE"/>
           </a:p>
@@ -628,7 +628,7 @@
           <a:p>
             <a:fld id="{AA309A6D-C09C-4548-B29A-6CF363A7E532}" type="datetimeFigureOut">
               <a:rPr lang="fr-FR" smtClean="0"/>
-              <a:t>10/03/2016</a:t>
+              <a:t>12/03/2016</a:t>
             </a:fld>
             <a:endParaRPr lang="fr-BE"/>
           </a:p>
@@ -793,7 +793,7 @@
           <a:p>
             <a:fld id="{AA309A6D-C09C-4548-B29A-6CF363A7E532}" type="datetimeFigureOut">
               <a:rPr lang="fr-FR" smtClean="0"/>
-              <a:t>10/03/2016</a:t>
+              <a:t>12/03/2016</a:t>
             </a:fld>
             <a:endParaRPr lang="fr-BE"/>
           </a:p>
@@ -1034,7 +1034,7 @@
           <a:p>
             <a:fld id="{AA309A6D-C09C-4548-B29A-6CF363A7E532}" type="datetimeFigureOut">
               <a:rPr lang="fr-FR" smtClean="0"/>
-              <a:t>10/03/2016</a:t>
+              <a:t>12/03/2016</a:t>
             </a:fld>
             <a:endParaRPr lang="fr-BE"/>
           </a:p>
@@ -1317,7 +1317,7 @@
           <a:p>
             <a:fld id="{AA309A6D-C09C-4548-B29A-6CF363A7E532}" type="datetimeFigureOut">
               <a:rPr lang="fr-FR" smtClean="0"/>
-              <a:t>10/03/2016</a:t>
+              <a:t>12/03/2016</a:t>
             </a:fld>
             <a:endParaRPr lang="fr-BE"/>
           </a:p>
@@ -1734,7 +1734,7 @@
           <a:p>
             <a:fld id="{AA309A6D-C09C-4548-B29A-6CF363A7E532}" type="datetimeFigureOut">
               <a:rPr lang="fr-FR" smtClean="0"/>
-              <a:t>10/03/2016</a:t>
+              <a:t>12/03/2016</a:t>
             </a:fld>
             <a:endParaRPr lang="fr-BE"/>
           </a:p>
@@ -1847,7 +1847,7 @@
           <a:p>
             <a:fld id="{AA309A6D-C09C-4548-B29A-6CF363A7E532}" type="datetimeFigureOut">
               <a:rPr lang="fr-FR" smtClean="0"/>
-              <a:t>10/03/2016</a:t>
+              <a:t>12/03/2016</a:t>
             </a:fld>
             <a:endParaRPr lang="fr-BE"/>
           </a:p>
@@ -1937,7 +1937,7 @@
           <a:p>
             <a:fld id="{AA309A6D-C09C-4548-B29A-6CF363A7E532}" type="datetimeFigureOut">
               <a:rPr lang="fr-FR" smtClean="0"/>
-              <a:t>10/03/2016</a:t>
+              <a:t>12/03/2016</a:t>
             </a:fld>
             <a:endParaRPr lang="fr-BE"/>
           </a:p>
@@ -2209,7 +2209,7 @@
           <a:p>
             <a:fld id="{AA309A6D-C09C-4548-B29A-6CF363A7E532}" type="datetimeFigureOut">
               <a:rPr lang="fr-FR" smtClean="0"/>
-              <a:t>10/03/2016</a:t>
+              <a:t>12/03/2016</a:t>
             </a:fld>
             <a:endParaRPr lang="fr-BE"/>
           </a:p>
@@ -2457,7 +2457,7 @@
           <a:p>
             <a:fld id="{AA309A6D-C09C-4548-B29A-6CF363A7E532}" type="datetimeFigureOut">
               <a:rPr lang="fr-FR" smtClean="0"/>
-              <a:t>10/03/2016</a:t>
+              <a:t>12/03/2016</a:t>
             </a:fld>
             <a:endParaRPr lang="fr-BE"/>
           </a:p>
@@ -2665,7 +2665,7 @@
           <a:p>
             <a:fld id="{AA309A6D-C09C-4548-B29A-6CF363A7E532}" type="datetimeFigureOut">
               <a:rPr lang="fr-FR" smtClean="0"/>
-              <a:t>10/03/2016</a:t>
+              <a:t>12/03/2016</a:t>
             </a:fld>
             <a:endParaRPr lang="fr-BE"/>
           </a:p>
@@ -8093,11 +8093,6 @@
               </a:rPr>
               <a:t>2</a:t>
             </a:r>
-            <a:endParaRPr lang="fr-FR" sz="1200" b="1" dirty="0">
-              <a:solidFill>
-                <a:srgbClr val="00B050"/>
-              </a:solidFill>
-            </a:endParaRPr>
           </a:p>
         </p:txBody>
       </p:sp>
@@ -8293,8 +8288,8 @@
           </a:fontRef>
         </p:style>
       </p:cxnSp>
-      <mc:AlternateContent xmlns:mc="http://schemas.openxmlformats.org/markup-compatibility/2006">
-        <mc:Choice xmlns:a14="http://schemas.microsoft.com/office/drawing/2010/main" Requires="a14">
+      <mc:AlternateContent xmlns:mc="http://schemas.openxmlformats.org/markup-compatibility/2006" xmlns:a14="http://schemas.microsoft.com/office/drawing/2010/main">
+        <mc:Choice Requires="a14">
           <p:sp>
             <p:nvSpPr>
               <p:cNvPr id="173" name="ZoneTexte 172"/>
@@ -8317,6 +8312,7 @@
               </a:bodyPr>
               <a:lstStyle/>
               <a:p>
+                <a:pPr/>
                 <a14:m>
                   <m:oMathPara xmlns:m="http://schemas.openxmlformats.org/officeDocument/2006/math">
                     <m:oMathParaPr>
@@ -8364,7 +8360,7 @@
             </p:txBody>
           </p:sp>
         </mc:Choice>
-        <mc:Fallback>
+        <mc:Fallback xmlns="">
           <p:sp>
             <p:nvSpPr>
               <p:cNvPr id="173" name="ZoneTexte 172"/>
@@ -8403,8 +8399,8 @@
           </p:sp>
         </mc:Fallback>
       </mc:AlternateContent>
-      <mc:AlternateContent xmlns:mc="http://schemas.openxmlformats.org/markup-compatibility/2006">
-        <mc:Choice xmlns:a14="http://schemas.microsoft.com/office/drawing/2010/main" Requires="a14">
+      <mc:AlternateContent xmlns:mc="http://schemas.openxmlformats.org/markup-compatibility/2006" xmlns:a14="http://schemas.microsoft.com/office/drawing/2010/main">
+        <mc:Choice Requires="a14">
           <p:sp>
             <p:nvSpPr>
               <p:cNvPr id="303" name="ZoneTexte 302"/>
@@ -8427,6 +8423,7 @@
               </a:bodyPr>
               <a:lstStyle/>
               <a:p>
+                <a:pPr/>
                 <a14:m>
                   <m:oMathPara xmlns:m="http://schemas.openxmlformats.org/officeDocument/2006/math">
                     <m:oMathParaPr>
@@ -8466,7 +8463,7 @@
             </p:txBody>
           </p:sp>
         </mc:Choice>
-        <mc:Fallback>
+        <mc:Fallback xmlns="">
           <p:sp>
             <p:nvSpPr>
               <p:cNvPr id="303" name="ZoneTexte 302"/>
@@ -8505,8 +8502,8 @@
           </p:sp>
         </mc:Fallback>
       </mc:AlternateContent>
-      <mc:AlternateContent xmlns:mc="http://schemas.openxmlformats.org/markup-compatibility/2006">
-        <mc:Choice xmlns:a14="http://schemas.microsoft.com/office/drawing/2010/main" Requires="a14">
+      <mc:AlternateContent xmlns:mc="http://schemas.openxmlformats.org/markup-compatibility/2006" xmlns:a14="http://schemas.microsoft.com/office/drawing/2010/main">
+        <mc:Choice Requires="a14">
           <p:sp>
             <p:nvSpPr>
               <p:cNvPr id="304" name="ZoneTexte 303"/>
@@ -8529,6 +8526,7 @@
               </a:bodyPr>
               <a:lstStyle/>
               <a:p>
+                <a:pPr/>
                 <a14:m>
                   <m:oMathPara xmlns:m="http://schemas.openxmlformats.org/officeDocument/2006/math">
                     <m:oMathParaPr>
@@ -8576,7 +8574,7 @@
             </p:txBody>
           </p:sp>
         </mc:Choice>
-        <mc:Fallback>
+        <mc:Fallback xmlns="">
           <p:sp>
             <p:nvSpPr>
               <p:cNvPr id="304" name="ZoneTexte 303"/>
@@ -8653,8 +8651,8 @@
           </a:fontRef>
         </p:style>
       </p:cxnSp>
-      <mc:AlternateContent xmlns:mc="http://schemas.openxmlformats.org/markup-compatibility/2006">
-        <mc:Choice xmlns:a14="http://schemas.microsoft.com/office/drawing/2010/main" Requires="a14">
+      <mc:AlternateContent xmlns:mc="http://schemas.openxmlformats.org/markup-compatibility/2006" xmlns:a14="http://schemas.microsoft.com/office/drawing/2010/main">
+        <mc:Choice Requires="a14">
           <p:sp>
             <p:nvSpPr>
               <p:cNvPr id="305" name="ZoneTexte 304"/>
@@ -8677,6 +8675,7 @@
               </a:bodyPr>
               <a:lstStyle/>
               <a:p>
+                <a:pPr/>
                 <a14:m>
                   <m:oMathPara xmlns:m="http://schemas.openxmlformats.org/officeDocument/2006/math">
                     <m:oMathParaPr>
@@ -8716,7 +8715,7 @@
             </p:txBody>
           </p:sp>
         </mc:Choice>
-        <mc:Fallback>
+        <mc:Fallback xmlns="">
           <p:sp>
             <p:nvSpPr>
               <p:cNvPr id="305" name="ZoneTexte 304"/>
@@ -8755,8 +8754,8 @@
           </p:sp>
         </mc:Fallback>
       </mc:AlternateContent>
-      <mc:AlternateContent xmlns:mc="http://schemas.openxmlformats.org/markup-compatibility/2006">
-        <mc:Choice xmlns:a14="http://schemas.microsoft.com/office/drawing/2010/main" Requires="a14">
+      <mc:AlternateContent xmlns:mc="http://schemas.openxmlformats.org/markup-compatibility/2006" xmlns:a14="http://schemas.microsoft.com/office/drawing/2010/main">
+        <mc:Choice Requires="a14">
           <p:sp>
             <p:nvSpPr>
               <p:cNvPr id="306" name="ZoneTexte 305"/>
@@ -8779,6 +8778,7 @@
               </a:bodyPr>
               <a:lstStyle/>
               <a:p>
+                <a:pPr/>
                 <a14:m>
                   <m:oMathPara xmlns:m="http://schemas.openxmlformats.org/officeDocument/2006/math">
                     <m:oMathParaPr>
@@ -8824,7 +8824,7 @@
             </p:txBody>
           </p:sp>
         </mc:Choice>
-        <mc:Fallback>
+        <mc:Fallback xmlns="">
           <p:sp>
             <p:nvSpPr>
               <p:cNvPr id="306" name="ZoneTexte 305"/>
@@ -8863,8 +8863,8 @@
           </p:sp>
         </mc:Fallback>
       </mc:AlternateContent>
-      <mc:AlternateContent xmlns:mc="http://schemas.openxmlformats.org/markup-compatibility/2006">
-        <mc:Choice xmlns:a14="http://schemas.microsoft.com/office/drawing/2010/main" Requires="a14">
+      <mc:AlternateContent xmlns:mc="http://schemas.openxmlformats.org/markup-compatibility/2006" xmlns:a14="http://schemas.microsoft.com/office/drawing/2010/main">
+        <mc:Choice Requires="a14">
           <p:sp>
             <p:nvSpPr>
               <p:cNvPr id="307" name="ZoneTexte 306"/>
@@ -8887,6 +8887,7 @@
               </a:bodyPr>
               <a:lstStyle/>
               <a:p>
+                <a:pPr/>
                 <a14:m>
                   <m:oMathPara xmlns:m="http://schemas.openxmlformats.org/officeDocument/2006/math">
                     <m:oMathParaPr>
@@ -8932,7 +8933,7 @@
             </p:txBody>
           </p:sp>
         </mc:Choice>
-        <mc:Fallback>
+        <mc:Fallback xmlns="">
           <p:sp>
             <p:nvSpPr>
               <p:cNvPr id="307" name="ZoneTexte 306"/>
@@ -8971,8 +8972,8 @@
           </p:sp>
         </mc:Fallback>
       </mc:AlternateContent>
-      <mc:AlternateContent xmlns:mc="http://schemas.openxmlformats.org/markup-compatibility/2006">
-        <mc:Choice xmlns:a14="http://schemas.microsoft.com/office/drawing/2010/main" Requires="a14">
+      <mc:AlternateContent xmlns:mc="http://schemas.openxmlformats.org/markup-compatibility/2006" xmlns:a14="http://schemas.microsoft.com/office/drawing/2010/main">
+        <mc:Choice Requires="a14">
           <p:sp>
             <p:nvSpPr>
               <p:cNvPr id="308" name="ZoneTexte 307"/>
@@ -8995,6 +8996,7 @@
               </a:bodyPr>
               <a:lstStyle/>
               <a:p>
+                <a:pPr/>
                 <a14:m>
                   <m:oMathPara xmlns:m="http://schemas.openxmlformats.org/officeDocument/2006/math">
                     <m:oMathParaPr>
@@ -9034,7 +9036,7 @@
             </p:txBody>
           </p:sp>
         </mc:Choice>
-        <mc:Fallback>
+        <mc:Fallback xmlns="">
           <p:sp>
             <p:nvSpPr>
               <p:cNvPr id="308" name="ZoneTexte 307"/>
@@ -9073,8 +9075,8 @@
           </p:sp>
         </mc:Fallback>
       </mc:AlternateContent>
-      <mc:AlternateContent xmlns:mc="http://schemas.openxmlformats.org/markup-compatibility/2006">
-        <mc:Choice xmlns:a14="http://schemas.microsoft.com/office/drawing/2010/main" Requires="a14">
+      <mc:AlternateContent xmlns:mc="http://schemas.openxmlformats.org/markup-compatibility/2006" xmlns:a14="http://schemas.microsoft.com/office/drawing/2010/main">
+        <mc:Choice Requires="a14">
           <p:sp>
             <p:nvSpPr>
               <p:cNvPr id="311" name="ZoneTexte 310"/>
@@ -9097,6 +9099,7 @@
               </a:bodyPr>
               <a:lstStyle/>
               <a:p>
+                <a:pPr/>
                 <a14:m>
                   <m:oMathPara xmlns:m="http://schemas.openxmlformats.org/officeDocument/2006/math">
                     <m:oMathParaPr>
@@ -9136,7 +9139,7 @@
             </p:txBody>
           </p:sp>
         </mc:Choice>
-        <mc:Fallback>
+        <mc:Fallback xmlns="">
           <p:sp>
             <p:nvSpPr>
               <p:cNvPr id="311" name="ZoneTexte 310"/>
@@ -9175,8 +9178,8 @@
           </p:sp>
         </mc:Fallback>
       </mc:AlternateContent>
-      <mc:AlternateContent xmlns:mc="http://schemas.openxmlformats.org/markup-compatibility/2006">
-        <mc:Choice xmlns:a14="http://schemas.microsoft.com/office/drawing/2010/main" Requires="a14">
+      <mc:AlternateContent xmlns:mc="http://schemas.openxmlformats.org/markup-compatibility/2006" xmlns:a14="http://schemas.microsoft.com/office/drawing/2010/main">
+        <mc:Choice Requires="a14">
           <p:sp>
             <p:nvSpPr>
               <p:cNvPr id="312" name="ZoneTexte 311"/>
@@ -9199,6 +9202,7 @@
               </a:bodyPr>
               <a:lstStyle/>
               <a:p>
+                <a:pPr/>
                 <a14:m>
                   <m:oMathPara xmlns:m="http://schemas.openxmlformats.org/officeDocument/2006/math">
                     <m:oMathParaPr>
@@ -9238,7 +9242,7 @@
             </p:txBody>
           </p:sp>
         </mc:Choice>
-        <mc:Fallback>
+        <mc:Fallback xmlns="">
           <p:sp>
             <p:nvSpPr>
               <p:cNvPr id="312" name="ZoneTexte 311"/>
@@ -9277,8 +9281,8 @@
           </p:sp>
         </mc:Fallback>
       </mc:AlternateContent>
-      <mc:AlternateContent xmlns:mc="http://schemas.openxmlformats.org/markup-compatibility/2006">
-        <mc:Choice xmlns:a14="http://schemas.microsoft.com/office/drawing/2010/main" Requires="a14">
+      <mc:AlternateContent xmlns:mc="http://schemas.openxmlformats.org/markup-compatibility/2006" xmlns:a14="http://schemas.microsoft.com/office/drawing/2010/main">
+        <mc:Choice Requires="a14">
           <p:sp>
             <p:nvSpPr>
               <p:cNvPr id="313" name="ZoneTexte 312"/>
@@ -9301,6 +9305,7 @@
               </a:bodyPr>
               <a:lstStyle/>
               <a:p>
+                <a:pPr/>
                 <a14:m>
                   <m:oMathPara xmlns:m="http://schemas.openxmlformats.org/officeDocument/2006/math">
                     <m:oMathParaPr>
@@ -9340,7 +9345,7 @@
             </p:txBody>
           </p:sp>
         </mc:Choice>
-        <mc:Fallback>
+        <mc:Fallback xmlns="">
           <p:sp>
             <p:nvSpPr>
               <p:cNvPr id="313" name="ZoneTexte 312"/>
@@ -9432,6 +9437,70 @@
             <a:endParaRPr lang="fr-FR" sz="1400" b="1" dirty="0">
               <a:solidFill>
                 <a:srgbClr val="00B050"/>
+              </a:solidFill>
+            </a:endParaRPr>
+          </a:p>
+        </p:txBody>
+      </p:sp>
+      <p:sp>
+        <p:nvSpPr>
+          <p:cNvPr id="153" name="Ellipse 152"/>
+          <p:cNvSpPr/>
+          <p:nvPr/>
+        </p:nvSpPr>
+        <p:spPr>
+          <a:xfrm>
+            <a:off x="3869127" y="7095232"/>
+            <a:ext cx="211872" cy="212104"/>
+          </a:xfrm>
+          <a:prstGeom prst="ellipse">
+            <a:avLst/>
+          </a:prstGeom>
+          <a:noFill/>
+          <a:ln w="19050">
+            <a:solidFill>
+              <a:schemeClr val="accent5">
+                <a:lumMod val="50000"/>
+              </a:schemeClr>
+            </a:solidFill>
+          </a:ln>
+        </p:spPr>
+        <p:style>
+          <a:lnRef idx="2">
+            <a:schemeClr val="accent1">
+              <a:shade val="50000"/>
+            </a:schemeClr>
+          </a:lnRef>
+          <a:fillRef idx="1">
+            <a:schemeClr val="accent1"/>
+          </a:fillRef>
+          <a:effectRef idx="0">
+            <a:schemeClr val="accent1"/>
+          </a:effectRef>
+          <a:fontRef idx="minor">
+            <a:schemeClr val="lt1"/>
+          </a:fontRef>
+        </p:style>
+        <p:txBody>
+          <a:bodyPr lIns="0" tIns="0" rIns="0" bIns="0" rtlCol="0" anchor="ctr"/>
+          <a:lstStyle/>
+          <a:p>
+            <a:pPr algn="ctr"/>
+            <a:r>
+              <a:rPr lang="fr-FR" sz="1200" b="1" dirty="0" smtClean="0">
+                <a:solidFill>
+                  <a:schemeClr val="accent5">
+                    <a:lumMod val="50000"/>
+                  </a:schemeClr>
+                </a:solidFill>
+              </a:rPr>
+              <a:t>0</a:t>
+            </a:r>
+            <a:endParaRPr lang="fr-FR" sz="1200" b="1" dirty="0">
+              <a:solidFill>
+                <a:schemeClr val="accent5">
+                  <a:lumMod val="50000"/>
+                </a:schemeClr>
               </a:solidFill>
             </a:endParaRPr>
           </a:p>
